--- a/writeups/evolang_abstract_2018/poster/evolangposter_2018_3.pptx
+++ b/writeups/evolang_abstract_2018/poster/evolangposter_2018_3.pptx
@@ -5,12 +5,10 @@
     <p:sldMasterId id="2147483660" r:id="rId1"/>
   </p:sldMasterIdLst>
   <p:notesMasterIdLst>
-    <p:notesMasterId r:id="rId5"/>
+    <p:notesMasterId r:id="rId3"/>
   </p:notesMasterIdLst>
   <p:sldIdLst>
     <p:sldId id="256" r:id="rId2"/>
-    <p:sldId id="258" r:id="rId3"/>
-    <p:sldId id="257" r:id="rId4"/>
   </p:sldIdLst>
   <p:sldSz cx="43891200" cy="32918400"/>
   <p:notesSz cx="6858000" cy="9144000"/>
@@ -109,6 +107,11 @@
       </a:defRPr>
     </a:lvl9pPr>
   </p:defaultTextStyle>
+  <p:extLst>
+    <p:ext uri="{EFAFB233-063F-42B5-8137-9DF3F51BA10A}">
+      <p15:sldGuideLst xmlns:p15="http://schemas.microsoft.com/office/powerpoint/2012/main"/>
+    </p:ext>
+  </p:extLst>
 </p:presentation>
 </file>
 
@@ -194,7 +197,7 @@
           <a:p>
             <a:fld id="{54944AAF-3086-2344-B4B8-82A5F830875E}" type="datetimeFigureOut">
               <a:rPr lang="en-US" smtClean="0"/>
-              <a:t>4/12/18</a:t>
+              <a:t>4/17/18</a:t>
             </a:fld>
             <a:endParaRPr lang="en-US"/>
           </a:p>
@@ -546,252 +549,6 @@
 </p:notes>
 </file>
 
-<file path=ppt/notesSlides/notesSlide2.xml><?xml version="1.0" encoding="utf-8"?>
-<p:notes xmlns:a="http://schemas.openxmlformats.org/drawingml/2006/main" xmlns:r="http://schemas.openxmlformats.org/officeDocument/2006/relationships" xmlns:p="http://schemas.openxmlformats.org/presentationml/2006/main">
-  <p:cSld>
-    <p:spTree>
-      <p:nvGrpSpPr>
-        <p:cNvPr id="1" name=""/>
-        <p:cNvGrpSpPr/>
-        <p:nvPr/>
-      </p:nvGrpSpPr>
-      <p:grpSpPr>
-        <a:xfrm>
-          <a:off x="0" y="0"/>
-          <a:ext cx="0" cy="0"/>
-          <a:chOff x="0" y="0"/>
-          <a:chExt cx="0" cy="0"/>
-        </a:xfrm>
-      </p:grpSpPr>
-      <p:sp>
-        <p:nvSpPr>
-          <p:cNvPr id="2" name="Slide Image Placeholder 1"/>
-          <p:cNvSpPr>
-            <a:spLocks noGrp="1" noRot="1" noChangeAspect="1"/>
-          </p:cNvSpPr>
-          <p:nvPr>
-            <p:ph type="sldImg"/>
-          </p:nvPr>
-        </p:nvSpPr>
-        <p:spPr/>
-      </p:sp>
-      <p:sp>
-        <p:nvSpPr>
-          <p:cNvPr id="3" name="Notes Placeholder 2"/>
-          <p:cNvSpPr>
-            <a:spLocks noGrp="1"/>
-          </p:cNvSpPr>
-          <p:nvPr>
-            <p:ph type="body" idx="1"/>
-          </p:nvPr>
-        </p:nvSpPr>
-        <p:spPr/>
-        <p:txBody>
-          <a:bodyPr/>
-          <a:lstStyle/>
-          <a:p>
-            <a:r>
-              <a:rPr lang="en-US" dirty="0" smtClean="0"/>
-              <a:t>For tree </a:t>
-            </a:r>
-            <a:r>
-              <a:rPr lang="mr-IN" dirty="0" smtClean="0"/>
-              <a:t>–</a:t>
-            </a:r>
-            <a:r>
-              <a:rPr lang="en-US" dirty="0" smtClean="0"/>
-              <a:t> cosine</a:t>
-            </a:r>
-            <a:r>
-              <a:rPr lang="en-US" baseline="0" dirty="0" smtClean="0"/>
-              <a:t> </a:t>
-            </a:r>
-            <a:r>
-              <a:rPr lang="en-US" baseline="0" dirty="0" err="1" smtClean="0"/>
-              <a:t>similairites</a:t>
-            </a:r>
-            <a:endParaRPr lang="en-US" baseline="0" dirty="0" smtClean="0"/>
-          </a:p>
-          <a:p>
-            <a:endParaRPr lang="en-US" baseline="0" dirty="0" smtClean="0"/>
-          </a:p>
-          <a:p>
-            <a:r>
-              <a:rPr lang="en-US" baseline="0" dirty="0" smtClean="0"/>
-              <a:t>Grouped by similarity</a:t>
-            </a:r>
-          </a:p>
-          <a:p>
-            <a:r>
-              <a:rPr lang="en-US" baseline="0" dirty="0" err="1" smtClean="0"/>
-              <a:t>Hight</a:t>
-            </a:r>
-            <a:r>
-              <a:rPr lang="en-US" baseline="0" dirty="0" smtClean="0"/>
-              <a:t> of cluster -&gt; degree of similarity</a:t>
-            </a:r>
-          </a:p>
-        </p:txBody>
-      </p:sp>
-      <p:sp>
-        <p:nvSpPr>
-          <p:cNvPr id="4" name="Slide Number Placeholder 3"/>
-          <p:cNvSpPr>
-            <a:spLocks noGrp="1"/>
-          </p:cNvSpPr>
-          <p:nvPr>
-            <p:ph type="sldNum" sz="quarter" idx="10"/>
-          </p:nvPr>
-        </p:nvSpPr>
-        <p:spPr/>
-        <p:txBody>
-          <a:bodyPr/>
-          <a:lstStyle/>
-          <a:p>
-            <a:fld id="{338C3D21-22B2-4149-A9C9-4B394D406695}" type="slidenum">
-              <a:rPr lang="en-US" smtClean="0"/>
-              <a:t>2</a:t>
-            </a:fld>
-            <a:endParaRPr lang="en-US"/>
-          </a:p>
-        </p:txBody>
-      </p:sp>
-    </p:spTree>
-    <p:extLst>
-      <p:ext uri="{BB962C8B-B14F-4D97-AF65-F5344CB8AC3E}">
-        <p14:creationId xmlns:p14="http://schemas.microsoft.com/office/powerpoint/2010/main" val="1448686205"/>
-      </p:ext>
-    </p:extLst>
-  </p:cSld>
-  <p:clrMapOvr>
-    <a:masterClrMapping/>
-  </p:clrMapOvr>
-</p:notes>
-</file>
-
-<file path=ppt/notesSlides/notesSlide3.xml><?xml version="1.0" encoding="utf-8"?>
-<p:notes xmlns:a="http://schemas.openxmlformats.org/drawingml/2006/main" xmlns:r="http://schemas.openxmlformats.org/officeDocument/2006/relationships" xmlns:p="http://schemas.openxmlformats.org/presentationml/2006/main">
-  <p:cSld>
-    <p:spTree>
-      <p:nvGrpSpPr>
-        <p:cNvPr id="1" name=""/>
-        <p:cNvGrpSpPr/>
-        <p:nvPr/>
-      </p:nvGrpSpPr>
-      <p:grpSpPr>
-        <a:xfrm>
-          <a:off x="0" y="0"/>
-          <a:ext cx="0" cy="0"/>
-          <a:chOff x="0" y="0"/>
-          <a:chExt cx="0" cy="0"/>
-        </a:xfrm>
-      </p:grpSpPr>
-      <p:sp>
-        <p:nvSpPr>
-          <p:cNvPr id="2" name="Slide Image Placeholder 1"/>
-          <p:cNvSpPr>
-            <a:spLocks noGrp="1" noRot="1" noChangeAspect="1"/>
-          </p:cNvSpPr>
-          <p:nvPr>
-            <p:ph type="sldImg"/>
-          </p:nvPr>
-        </p:nvSpPr>
-        <p:spPr/>
-      </p:sp>
-      <p:sp>
-        <p:nvSpPr>
-          <p:cNvPr id="3" name="Notes Placeholder 2"/>
-          <p:cNvSpPr>
-            <a:spLocks noGrp="1"/>
-          </p:cNvSpPr>
-          <p:nvPr>
-            <p:ph type="body" idx="1"/>
-          </p:nvPr>
-        </p:nvSpPr>
-        <p:spPr/>
-        <p:txBody>
-          <a:bodyPr/>
-          <a:lstStyle/>
-          <a:p>
-            <a:r>
-              <a:rPr lang="en-US" dirty="0" smtClean="0"/>
-              <a:t>For tree </a:t>
-            </a:r>
-            <a:r>
-              <a:rPr lang="mr-IN" dirty="0" smtClean="0"/>
-              <a:t>–</a:t>
-            </a:r>
-            <a:r>
-              <a:rPr lang="en-US" dirty="0" smtClean="0"/>
-              <a:t> cosine</a:t>
-            </a:r>
-            <a:r>
-              <a:rPr lang="en-US" baseline="0" dirty="0" smtClean="0"/>
-              <a:t> </a:t>
-            </a:r>
-            <a:r>
-              <a:rPr lang="en-US" baseline="0" dirty="0" err="1" smtClean="0"/>
-              <a:t>similairites</a:t>
-            </a:r>
-            <a:endParaRPr lang="en-US" baseline="0" dirty="0" smtClean="0"/>
-          </a:p>
-          <a:p>
-            <a:endParaRPr lang="en-US" baseline="0" dirty="0" smtClean="0"/>
-          </a:p>
-          <a:p>
-            <a:r>
-              <a:rPr lang="en-US" baseline="0" dirty="0" smtClean="0"/>
-              <a:t>Grouped by similarity</a:t>
-            </a:r>
-          </a:p>
-          <a:p>
-            <a:r>
-              <a:rPr lang="en-US" baseline="0" dirty="0" err="1" smtClean="0"/>
-              <a:t>Hight</a:t>
-            </a:r>
-            <a:r>
-              <a:rPr lang="en-US" baseline="0" dirty="0" smtClean="0"/>
-              <a:t> of cluster -&gt; degree of similarity</a:t>
-            </a:r>
-          </a:p>
-        </p:txBody>
-      </p:sp>
-      <p:sp>
-        <p:nvSpPr>
-          <p:cNvPr id="4" name="Slide Number Placeholder 3"/>
-          <p:cNvSpPr>
-            <a:spLocks noGrp="1"/>
-          </p:cNvSpPr>
-          <p:nvPr>
-            <p:ph type="sldNum" sz="quarter" idx="10"/>
-          </p:nvPr>
-        </p:nvSpPr>
-        <p:spPr/>
-        <p:txBody>
-          <a:bodyPr/>
-          <a:lstStyle/>
-          <a:p>
-            <a:fld id="{338C3D21-22B2-4149-A9C9-4B394D406695}" type="slidenum">
-              <a:rPr lang="en-US" smtClean="0"/>
-              <a:t>3</a:t>
-            </a:fld>
-            <a:endParaRPr lang="en-US"/>
-          </a:p>
-        </p:txBody>
-      </p:sp>
-    </p:spTree>
-    <p:extLst>
-      <p:ext uri="{BB962C8B-B14F-4D97-AF65-F5344CB8AC3E}">
-        <p14:creationId xmlns:p14="http://schemas.microsoft.com/office/powerpoint/2010/main" val="1880645320"/>
-      </p:ext>
-    </p:extLst>
-  </p:cSld>
-  <p:clrMapOvr>
-    <a:masterClrMapping/>
-  </p:clrMapOvr>
-</p:notes>
-</file>
-
 <file path=ppt/slideLayouts/slideLayout1.xml><?xml version="1.0" encoding="utf-8"?>
 <p:sldLayout xmlns:a="http://schemas.openxmlformats.org/drawingml/2006/main" xmlns:r="http://schemas.openxmlformats.org/officeDocument/2006/relationships" xmlns:p="http://schemas.openxmlformats.org/presentationml/2006/main" type="title" preserve="1">
   <p:cSld name="Title Slide">
@@ -923,7 +680,7 @@
           <a:p>
             <a:fld id="{79447EBB-DEDC-2748-8F4F-C0A9F5E8AF5D}" type="datetimeFigureOut">
               <a:rPr lang="en-US" smtClean="0"/>
-              <a:t>4/12/18</a:t>
+              <a:t>4/17/18</a:t>
             </a:fld>
             <a:endParaRPr lang="en-US"/>
           </a:p>
@@ -1088,7 +845,7 @@
           <a:p>
             <a:fld id="{79447EBB-DEDC-2748-8F4F-C0A9F5E8AF5D}" type="datetimeFigureOut">
               <a:rPr lang="en-US" smtClean="0"/>
-              <a:t>4/12/18</a:t>
+              <a:t>4/17/18</a:t>
             </a:fld>
             <a:endParaRPr lang="en-US"/>
           </a:p>
@@ -1263,7 +1020,7 @@
           <a:p>
             <a:fld id="{79447EBB-DEDC-2748-8F4F-C0A9F5E8AF5D}" type="datetimeFigureOut">
               <a:rPr lang="en-US" smtClean="0"/>
-              <a:t>4/12/18</a:t>
+              <a:t>4/17/18</a:t>
             </a:fld>
             <a:endParaRPr lang="en-US"/>
           </a:p>
@@ -1428,7 +1185,7 @@
           <a:p>
             <a:fld id="{79447EBB-DEDC-2748-8F4F-C0A9F5E8AF5D}" type="datetimeFigureOut">
               <a:rPr lang="en-US" smtClean="0"/>
-              <a:t>4/12/18</a:t>
+              <a:t>4/17/18</a:t>
             </a:fld>
             <a:endParaRPr lang="en-US"/>
           </a:p>
@@ -1667,7 +1424,7 @@
           <a:p>
             <a:fld id="{79447EBB-DEDC-2748-8F4F-C0A9F5E8AF5D}" type="datetimeFigureOut">
               <a:rPr lang="en-US" smtClean="0"/>
-              <a:t>4/12/18</a:t>
+              <a:t>4/17/18</a:t>
             </a:fld>
             <a:endParaRPr lang="en-US"/>
           </a:p>
@@ -1894,7 +1651,7 @@
           <a:p>
             <a:fld id="{79447EBB-DEDC-2748-8F4F-C0A9F5E8AF5D}" type="datetimeFigureOut">
               <a:rPr lang="en-US" smtClean="0"/>
-              <a:t>4/12/18</a:t>
+              <a:t>4/17/18</a:t>
             </a:fld>
             <a:endParaRPr lang="en-US"/>
           </a:p>
@@ -2256,7 +2013,7 @@
           <a:p>
             <a:fld id="{79447EBB-DEDC-2748-8F4F-C0A9F5E8AF5D}" type="datetimeFigureOut">
               <a:rPr lang="en-US" smtClean="0"/>
-              <a:t>4/12/18</a:t>
+              <a:t>4/17/18</a:t>
             </a:fld>
             <a:endParaRPr lang="en-US"/>
           </a:p>
@@ -2369,7 +2126,7 @@
           <a:p>
             <a:fld id="{79447EBB-DEDC-2748-8F4F-C0A9F5E8AF5D}" type="datetimeFigureOut">
               <a:rPr lang="en-US" smtClean="0"/>
-              <a:t>4/12/18</a:t>
+              <a:t>4/17/18</a:t>
             </a:fld>
             <a:endParaRPr lang="en-US"/>
           </a:p>
@@ -2459,7 +2216,7 @@
           <a:p>
             <a:fld id="{79447EBB-DEDC-2748-8F4F-C0A9F5E8AF5D}" type="datetimeFigureOut">
               <a:rPr lang="en-US" smtClean="0"/>
-              <a:t>4/12/18</a:t>
+              <a:t>4/17/18</a:t>
             </a:fld>
             <a:endParaRPr lang="en-US"/>
           </a:p>
@@ -2731,7 +2488,7 @@
           <a:p>
             <a:fld id="{79447EBB-DEDC-2748-8F4F-C0A9F5E8AF5D}" type="datetimeFigureOut">
               <a:rPr lang="en-US" smtClean="0"/>
-              <a:t>4/12/18</a:t>
+              <a:t>4/17/18</a:t>
             </a:fld>
             <a:endParaRPr lang="en-US"/>
           </a:p>
@@ -2983,7 +2740,7 @@
           <a:p>
             <a:fld id="{79447EBB-DEDC-2748-8F4F-C0A9F5E8AF5D}" type="datetimeFigureOut">
               <a:rPr lang="en-US" smtClean="0"/>
-              <a:t>4/12/18</a:t>
+              <a:t>4/17/18</a:t>
             </a:fld>
             <a:endParaRPr lang="en-US"/>
           </a:p>
@@ -3191,7 +2948,7 @@
           <a:p>
             <a:fld id="{79447EBB-DEDC-2748-8F4F-C0A9F5E8AF5D}" type="datetimeFigureOut">
               <a:rPr lang="en-US" smtClean="0"/>
-              <a:t>4/12/18</a:t>
+              <a:t>4/17/18</a:t>
             </a:fld>
             <a:endParaRPr lang="en-US"/>
           </a:p>
@@ -3678,14 +3435,6 @@
               </a:rPr>
               <a:t>What 50 Million Drawings Can Tell Us About Shared Meaning</a:t>
             </a:r>
-            <a:endParaRPr lang="en-US" sz="12200" b="1" dirty="0" smtClean="0">
-              <a:solidFill>
-                <a:schemeClr val="bg1"/>
-              </a:solidFill>
-              <a:latin typeface="Avenir Book" charset="0"/>
-              <a:ea typeface="Avenir Book" charset="0"/>
-              <a:cs typeface="Avenir Book" charset="0"/>
-            </a:endParaRPr>
           </a:p>
           <a:p>
             <a:pPr>
@@ -3739,7 +3488,18 @@
                 <a:ea typeface="Avenir Book" charset="0"/>
                 <a:cs typeface="Avenir Book" charset="0"/>
               </a:rPr>
-              <a:t>Molly Lewis and </a:t>
+              <a:t>Molly Lewis and Gary </a:t>
+            </a:r>
+            <a:r>
+              <a:rPr lang="en-US" sz="9600" dirty="0" err="1" smtClean="0">
+                <a:solidFill>
+                  <a:schemeClr val="bg1"/>
+                </a:solidFill>
+                <a:latin typeface="Avenir Book" charset="0"/>
+                <a:ea typeface="Avenir Book" charset="0"/>
+                <a:cs typeface="Avenir Book" charset="0"/>
+              </a:rPr>
+              <a:t>Lupyan</a:t>
             </a:r>
             <a:r>
               <a:rPr lang="en-US" sz="9600" dirty="0" smtClean="0">
@@ -3750,49 +3510,8 @@
                 <a:ea typeface="Avenir Book" charset="0"/>
                 <a:cs typeface="Avenir Book" charset="0"/>
               </a:rPr>
-              <a:t>Gary </a:t>
-            </a:r>
-            <a:r>
-              <a:rPr lang="en-US" sz="9600" dirty="0" err="1" smtClean="0">
-                <a:solidFill>
-                  <a:schemeClr val="bg1"/>
-                </a:solidFill>
-                <a:latin typeface="Avenir Book" charset="0"/>
-                <a:ea typeface="Avenir Book" charset="0"/>
-                <a:cs typeface="Avenir Book" charset="0"/>
-              </a:rPr>
-              <a:t>Lupyan</a:t>
-            </a:r>
-            <a:r>
-              <a:rPr lang="en-US" sz="9600" dirty="0" smtClean="0">
-                <a:solidFill>
-                  <a:schemeClr val="bg1"/>
-                </a:solidFill>
-                <a:latin typeface="Avenir Book" charset="0"/>
-                <a:ea typeface="Avenir Book" charset="0"/>
-                <a:cs typeface="Avenir Book" charset="0"/>
-              </a:rPr>
-              <a:t>, University </a:t>
-            </a:r>
-            <a:r>
-              <a:rPr lang="en-US" sz="9600" dirty="0" smtClean="0">
-                <a:solidFill>
-                  <a:schemeClr val="bg1"/>
-                </a:solidFill>
-                <a:latin typeface="Avenir Book" charset="0"/>
-                <a:ea typeface="Avenir Book" charset="0"/>
-                <a:cs typeface="Avenir Book" charset="0"/>
-              </a:rPr>
-              <a:t>of Wisconsin-Madison</a:t>
-            </a:r>
-            <a:endParaRPr lang="en-US" sz="9600" dirty="0" smtClean="0">
-              <a:solidFill>
-                <a:schemeClr val="bg1"/>
-              </a:solidFill>
-              <a:latin typeface="Avenir Book" charset="0"/>
-              <a:ea typeface="Avenir Book" charset="0"/>
-              <a:cs typeface="Avenir Book" charset="0"/>
-            </a:endParaRPr>
+              <a:t>, University of Wisconsin-Madison</a:t>
+            </a:r>
           </a:p>
           <a:p>
             <a:pPr>
@@ -3841,7 +3560,7 @@
         </p:blipFill>
         <p:spPr>
           <a:xfrm>
-            <a:off x="16209401" y="7298600"/>
+            <a:off x="16036499" y="7247143"/>
             <a:ext cx="26827471" cy="11448023"/>
           </a:xfrm>
           <a:prstGeom prst="rect">
@@ -3857,7 +3576,7 @@
         </p:nvSpPr>
         <p:spPr>
           <a:xfrm>
-            <a:off x="808746" y="6330734"/>
+            <a:off x="1131474" y="6330734"/>
             <a:ext cx="14919451" cy="11139079"/>
           </a:xfrm>
           <a:prstGeom prst="roundRect">
@@ -3924,7 +3643,7 @@
         </p:blipFill>
         <p:spPr>
           <a:xfrm>
-            <a:off x="9192171" y="22186627"/>
+            <a:off x="9514899" y="22186627"/>
             <a:ext cx="6101619" cy="9719831"/>
           </a:xfrm>
           <a:prstGeom prst="rect">
@@ -3940,7 +3659,7 @@
         </p:nvSpPr>
         <p:spPr>
           <a:xfrm>
-            <a:off x="907269" y="12418890"/>
+            <a:off x="1621881" y="12418890"/>
             <a:ext cx="16245263" cy="1107996"/>
           </a:xfrm>
           <a:prstGeom prst="rect">
@@ -3976,8 +3695,8 @@
         </p:nvSpPr>
         <p:spPr>
           <a:xfrm>
-            <a:off x="781681" y="18182752"/>
-            <a:ext cx="15945868" cy="4278094"/>
+            <a:off x="1104409" y="18182752"/>
+            <a:ext cx="14946516" cy="4278094"/>
           </a:xfrm>
           <a:prstGeom prst="rect">
             <a:avLst/>
@@ -4038,7 +3757,7 @@
                 <a:ea typeface="Avenir Book" charset="0"/>
                 <a:cs typeface="Avenir Book" charset="0"/>
               </a:rPr>
-              <a:t> drawing</a:t>
+              <a:t> drawing similarity as the </a:t>
             </a:r>
             <a:r>
               <a:rPr lang="en-US" sz="4400" dirty="0" smtClean="0">
@@ -4046,7 +3765,15 @@
                 <a:ea typeface="Avenir Book" charset="0"/>
                 <a:cs typeface="Avenir Book" charset="0"/>
               </a:rPr>
-              <a:t> similarity as the minimum Euclidean distance between two sets of points</a:t>
+              <a:t>maximum Euclidean </a:t>
+            </a:r>
+            <a:r>
+              <a:rPr lang="en-US" sz="4400" dirty="0" smtClean="0">
+                <a:latin typeface="Avenir Book" charset="0"/>
+                <a:ea typeface="Avenir Book" charset="0"/>
+                <a:cs typeface="Avenir Book" charset="0"/>
+              </a:rPr>
+              <a:t>distance between two sets of points</a:t>
             </a:r>
             <a:r>
               <a:rPr lang="en-US" sz="2800" dirty="0" smtClean="0">
@@ -4130,7 +3857,7 @@
         </p:nvSpPr>
         <p:spPr>
           <a:xfrm>
-            <a:off x="402328" y="22726972"/>
+            <a:off x="725056" y="22726972"/>
             <a:ext cx="10877239" cy="1661993"/>
           </a:xfrm>
           <a:prstGeom prst="rect">
@@ -4211,7 +3938,7 @@
         </p:blipFill>
         <p:spPr>
           <a:xfrm>
-            <a:off x="1068108" y="13764934"/>
+            <a:off x="1782720" y="13764934"/>
             <a:ext cx="4276663" cy="3158310"/>
           </a:xfrm>
           <a:prstGeom prst="rect">
@@ -4229,7 +3956,7 @@
         </p:nvSpPr>
         <p:spPr>
           <a:xfrm>
-            <a:off x="6546992" y="14122876"/>
+            <a:off x="7261604" y="14122876"/>
             <a:ext cx="9204112" cy="4176385"/>
           </a:xfrm>
           <a:prstGeom prst="rect">
@@ -4465,11 +4192,6 @@
               </a:rPr>
               <a:t> </a:t>
             </a:r>
-            <a:endParaRPr lang="en-US" sz="4800" dirty="0" smtClean="0">
-              <a:latin typeface="Avenir Book" charset="0"/>
-              <a:ea typeface="Avenir Book" charset="0"/>
-              <a:cs typeface="Avenir Book" charset="0"/>
-            </a:endParaRPr>
           </a:p>
         </p:txBody>
       </p:sp>
@@ -4481,7 +4203,7 @@
         </p:nvSpPr>
         <p:spPr>
           <a:xfrm>
-            <a:off x="907269" y="22125679"/>
+            <a:off x="1229997" y="22125679"/>
             <a:ext cx="7418271" cy="10187404"/>
           </a:xfrm>
           <a:prstGeom prst="rect">
@@ -4551,11 +4273,6 @@
               </a:rPr>
               <a:t>Rated for similarity on 7-pt. Likert Scale</a:t>
             </a:r>
-            <a:endParaRPr lang="en-US" sz="4400" dirty="0" smtClean="0">
-              <a:latin typeface="Avenir Book" charset="0"/>
-              <a:ea typeface="Avenir Book" charset="0"/>
-              <a:cs typeface="Avenir Book" charset="0"/>
-            </a:endParaRPr>
           </a:p>
           <a:p>
             <a:pPr marL="685800" indent="-685800">
@@ -4674,7 +4391,7 @@
         </p:nvSpPr>
         <p:spPr>
           <a:xfrm>
-            <a:off x="16314588" y="6398470"/>
+            <a:off x="16637316" y="6398470"/>
             <a:ext cx="11773250" cy="2123658"/>
           </a:xfrm>
           <a:prstGeom prst="rect">
@@ -4727,8 +4444,8 @@
         </p:nvSpPr>
         <p:spPr>
           <a:xfrm>
-            <a:off x="16297344" y="19045082"/>
-            <a:ext cx="11360289" cy="2123658"/>
+            <a:off x="16571615" y="18790048"/>
+            <a:ext cx="12371785" cy="2123658"/>
           </a:xfrm>
           <a:prstGeom prst="rect">
             <a:avLst/>
@@ -4747,7 +4464,7 @@
                 <a:ea typeface="Avenir Book" charset="0"/>
                 <a:cs typeface="Avenir Book" charset="0"/>
               </a:rPr>
-              <a:t>Predicting Variability with Language</a:t>
+              <a:t>Predicting Drawing Variability with Language</a:t>
             </a:r>
             <a:endParaRPr lang="en-US" sz="4800" dirty="0" smtClean="0">
               <a:latin typeface="Avenir Book" charset="0"/>
@@ -4780,8 +4497,8 @@
         </p:nvSpPr>
         <p:spPr>
           <a:xfrm>
-            <a:off x="16362658" y="20106911"/>
-            <a:ext cx="14919932" cy="8894743"/>
+            <a:off x="16588094" y="19679184"/>
+            <a:ext cx="14919932" cy="4154984"/>
           </a:xfrm>
           <a:prstGeom prst="rect">
             <a:avLst/>
@@ -4851,224 +4568,6 @@
               <a:t>For each country pair, calculated mean drawing similarity for each category. </a:t>
             </a:r>
           </a:p>
-          <a:p>
-            <a:pPr marL="685800" lvl="1" indent="-685800">
-              <a:buFont typeface="Arial" charset="0"/>
-              <a:buChar char="•"/>
-            </a:pPr>
-            <a:endParaRPr lang="en-US" sz="4400" dirty="0">
-              <a:latin typeface="Avenir Book" charset="0"/>
-              <a:ea typeface="Avenir Book" charset="0"/>
-              <a:cs typeface="Avenir Book" charset="0"/>
-            </a:endParaRPr>
-          </a:p>
-          <a:p>
-            <a:pPr marL="0" lvl="1"/>
-            <a:r>
-              <a:rPr lang="en-US" sz="4400" dirty="0" smtClean="0">
-                <a:latin typeface="Avenir Book" charset="0"/>
-                <a:ea typeface="Avenir Book" charset="0"/>
-                <a:cs typeface="Avenir Book" charset="0"/>
-              </a:rPr>
-              <a:t>Independent Cultural Similarity Measures:</a:t>
-            </a:r>
-            <a:endParaRPr lang="en-US" sz="4400" dirty="0">
-              <a:latin typeface="Avenir Book" charset="0"/>
-              <a:ea typeface="Avenir Book" charset="0"/>
-              <a:cs typeface="Avenir Book" charset="0"/>
-            </a:endParaRPr>
-          </a:p>
-          <a:p>
-            <a:pPr marL="685800" lvl="1" indent="-685800">
-              <a:buFont typeface="Arial" charset="0"/>
-              <a:buChar char="•"/>
-            </a:pPr>
-            <a:r>
-              <a:rPr lang="en-US" sz="4400" dirty="0" smtClean="0">
-                <a:latin typeface="Avenir Book" charset="0"/>
-                <a:ea typeface="Avenir Book" charset="0"/>
-                <a:cs typeface="Avenir Book" charset="0"/>
-              </a:rPr>
-              <a:t>Lexical semantics </a:t>
-            </a:r>
-            <a:r>
-              <a:rPr lang="mr-IN" sz="4400" dirty="0" smtClean="0">
-                <a:latin typeface="Avenir Book" charset="0"/>
-                <a:ea typeface="Avenir Book" charset="0"/>
-                <a:cs typeface="Avenir Book" charset="0"/>
-              </a:rPr>
-              <a:t>–</a:t>
-            </a:r>
-            <a:r>
-              <a:rPr lang="en-US" sz="4400" dirty="0">
-                <a:latin typeface="Avenir Book" charset="0"/>
-                <a:ea typeface="Avenir Book" charset="0"/>
-                <a:cs typeface="Avenir Book" charset="0"/>
-              </a:rPr>
-              <a:t> </a:t>
-            </a:r>
-            <a:r>
-              <a:rPr lang="en-US" sz="4400" dirty="0" smtClean="0">
-                <a:latin typeface="Avenir Book" charset="0"/>
-                <a:ea typeface="Avenir Book" charset="0"/>
-                <a:cs typeface="Avenir Book" charset="0"/>
-              </a:rPr>
-              <a:t>Alignment from word embedding models </a:t>
-            </a:r>
-            <a:r>
-              <a:rPr lang="en-US" sz="2800" dirty="0" smtClean="0">
-                <a:latin typeface="Avenir Book" charset="0"/>
-                <a:ea typeface="Avenir Book" charset="0"/>
-                <a:cs typeface="Avenir Book" charset="0"/>
-              </a:rPr>
-              <a:t>(Bojanowski et al., 2016)</a:t>
-            </a:r>
-            <a:endParaRPr lang="en-US" sz="2800" dirty="0">
-              <a:latin typeface="Avenir Book" charset="0"/>
-              <a:ea typeface="Avenir Book" charset="0"/>
-              <a:cs typeface="Avenir Book" charset="0"/>
-            </a:endParaRPr>
-          </a:p>
-          <a:p>
-            <a:pPr marL="685800" lvl="1" indent="-685800">
-              <a:buFont typeface="Arial" charset="0"/>
-              <a:buChar char="•"/>
-            </a:pPr>
-            <a:r>
-              <a:rPr lang="en-US" sz="4400" dirty="0" smtClean="0">
-                <a:latin typeface="Avenir Book" charset="0"/>
-                <a:ea typeface="Avenir Book" charset="0"/>
-                <a:cs typeface="Avenir Book" charset="0"/>
-              </a:rPr>
-              <a:t>Lexical forms </a:t>
-            </a:r>
-            <a:r>
-              <a:rPr lang="mr-IN" sz="4400" dirty="0" smtClean="0">
-                <a:latin typeface="Avenir Book" charset="0"/>
-                <a:ea typeface="Avenir Book" charset="0"/>
-                <a:cs typeface="Avenir Book" charset="0"/>
-              </a:rPr>
-              <a:t>–</a:t>
-            </a:r>
-            <a:r>
-              <a:rPr lang="en-US" sz="4400" dirty="0" smtClean="0">
-                <a:latin typeface="Avenir Book" charset="0"/>
-                <a:ea typeface="Avenir Book" charset="0"/>
-                <a:cs typeface="Avenir Book" charset="0"/>
-              </a:rPr>
-              <a:t> ASJP distance </a:t>
-            </a:r>
-            <a:r>
-              <a:rPr lang="en-US" sz="2800" dirty="0" smtClean="0">
-                <a:latin typeface="Avenir Book" charset="0"/>
-                <a:ea typeface="Avenir Book" charset="0"/>
-                <a:cs typeface="Avenir Book" charset="0"/>
-              </a:rPr>
-              <a:t>(Bakker</a:t>
-            </a:r>
-            <a:r>
-              <a:rPr lang="en-US" sz="2800" dirty="0">
-                <a:latin typeface="Avenir Book" charset="0"/>
-                <a:ea typeface="Avenir Book" charset="0"/>
-                <a:cs typeface="Avenir Book" charset="0"/>
-              </a:rPr>
-              <a:t>, et al., 2009, </a:t>
-            </a:r>
-            <a:r>
-              <a:rPr lang="en-US" sz="2800" dirty="0" err="1">
-                <a:latin typeface="Avenir Book" charset="0"/>
-                <a:ea typeface="Avenir Book" charset="0"/>
-                <a:cs typeface="Avenir Book" charset="0"/>
-              </a:rPr>
-              <a:t>Dediu</a:t>
-            </a:r>
-            <a:r>
-              <a:rPr lang="en-US" sz="2800" dirty="0">
-                <a:latin typeface="Avenir Book" charset="0"/>
-                <a:ea typeface="Avenir Book" charset="0"/>
-                <a:cs typeface="Avenir Book" charset="0"/>
-              </a:rPr>
-              <a:t>, in press) </a:t>
-            </a:r>
-            <a:endParaRPr lang="en-US" sz="2800" dirty="0" smtClean="0">
-              <a:latin typeface="Avenir Book" charset="0"/>
-              <a:ea typeface="Avenir Book" charset="0"/>
-              <a:cs typeface="Avenir Book" charset="0"/>
-            </a:endParaRPr>
-          </a:p>
-          <a:p>
-            <a:pPr marL="685800" lvl="1" indent="-685800">
-              <a:buFont typeface="Arial" charset="0"/>
-              <a:buChar char="•"/>
-            </a:pPr>
-            <a:r>
-              <a:rPr lang="en-US" sz="4400" dirty="0" smtClean="0">
-                <a:latin typeface="Avenir Book" charset="0"/>
-                <a:ea typeface="Avenir Book" charset="0"/>
-                <a:cs typeface="Avenir Book" charset="0"/>
-              </a:rPr>
-              <a:t>Grammar </a:t>
-            </a:r>
-            <a:r>
-              <a:rPr lang="mr-IN" sz="4400" dirty="0" smtClean="0">
-                <a:latin typeface="Avenir Book" charset="0"/>
-                <a:ea typeface="Avenir Book" charset="0"/>
-                <a:cs typeface="Avenir Book" charset="0"/>
-              </a:rPr>
-              <a:t>–</a:t>
-            </a:r>
-            <a:r>
-              <a:rPr lang="en-US" sz="4400" dirty="0" smtClean="0">
-                <a:latin typeface="Avenir Book" charset="0"/>
-                <a:ea typeface="Avenir Book" charset="0"/>
-                <a:cs typeface="Avenir Book" charset="0"/>
-              </a:rPr>
-              <a:t> WALS distance </a:t>
-            </a:r>
-            <a:r>
-              <a:rPr lang="en-US" sz="2800" dirty="0">
-                <a:latin typeface="Avenir Book" charset="0"/>
-                <a:ea typeface="Avenir Book" charset="0"/>
-                <a:cs typeface="Avenir Book" charset="0"/>
-              </a:rPr>
-              <a:t>(</a:t>
-            </a:r>
-            <a:r>
-              <a:rPr lang="en-US" sz="2800" dirty="0" err="1">
-                <a:latin typeface="Avenir Book" charset="0"/>
-                <a:ea typeface="Avenir Book" charset="0"/>
-                <a:cs typeface="Avenir Book" charset="0"/>
-              </a:rPr>
-              <a:t>Dediu</a:t>
-            </a:r>
-            <a:r>
-              <a:rPr lang="en-US" sz="2800" dirty="0">
-                <a:latin typeface="Avenir Book" charset="0"/>
-                <a:ea typeface="Avenir Book" charset="0"/>
-                <a:cs typeface="Avenir Book" charset="0"/>
-              </a:rPr>
-              <a:t>, in press) </a:t>
-            </a:r>
-            <a:endParaRPr lang="en-US" sz="2800" dirty="0" smtClean="0">
-              <a:latin typeface="Avenir Book" charset="0"/>
-              <a:ea typeface="Avenir Book" charset="0"/>
-              <a:cs typeface="Avenir Book" charset="0"/>
-            </a:endParaRPr>
-          </a:p>
-          <a:p>
-            <a:pPr marL="685800" lvl="1" indent="-685800">
-              <a:buFont typeface="Arial" charset="0"/>
-              <a:buChar char="•"/>
-            </a:pPr>
-            <a:r>
-              <a:rPr lang="en-US" sz="4400" dirty="0" smtClean="0">
-                <a:latin typeface="Avenir Book" charset="0"/>
-                <a:ea typeface="Avenir Book" charset="0"/>
-                <a:cs typeface="Avenir Book" charset="0"/>
-              </a:rPr>
-              <a:t>Physical distance </a:t>
-            </a:r>
-          </a:p>
         </p:txBody>
       </p:sp>
       <p:sp>
@@ -5079,7 +4578,7 @@
         </p:nvSpPr>
         <p:spPr>
           <a:xfrm>
-            <a:off x="1068108" y="6991119"/>
+            <a:off x="1782720" y="7059245"/>
             <a:ext cx="20974788" cy="1107996"/>
           </a:xfrm>
           <a:prstGeom prst="rect">
@@ -5115,7 +4614,7 @@
         </p:nvGrpSpPr>
         <p:grpSpPr>
           <a:xfrm>
-            <a:off x="1068108" y="8840447"/>
+            <a:off x="1782720" y="8840447"/>
             <a:ext cx="12886703" cy="3006780"/>
             <a:chOff x="776641" y="9674668"/>
             <a:chExt cx="12886703" cy="3006780"/>
@@ -5968,7 +5467,7 @@
                 <a:extLst>
                   <a:ext uri="{BEBA8EAE-BF5A-486C-A8C5-ECC9F3942E4B}">
                     <a14:imgProps xmlns:a14="http://schemas.microsoft.com/office/drawing/2010/main">
-                      <a14:imgLayer r:embed="rId16">
+                      <a14:imgLayer r:embed="rId12">
                         <a14:imgEffect>
                           <a14:backgroundRemoval t="2041" b="96429" l="0" r="98540">
                             <a14:foregroundMark x1="33212" y1="51020" x2="33212" y2="51020"/>
@@ -6008,8 +5507,8 @@
         </p:nvSpPr>
         <p:spPr>
           <a:xfrm rot="16200000">
-            <a:off x="6178086" y="26584757"/>
-            <a:ext cx="5225148" cy="584775"/>
+            <a:off x="6652298" y="26584757"/>
+            <a:ext cx="4922181" cy="584775"/>
           </a:xfrm>
           <a:prstGeom prst="rect">
             <a:avLst/>
@@ -6036,7 +5535,15 @@
                 <a:ea typeface="Avenir Book" charset="0"/>
                 <a:cs typeface="Avenir Book" charset="0"/>
               </a:rPr>
-              <a:t> Distance Quintile</a:t>
+              <a:t> Distance </a:t>
+            </a:r>
+            <a:r>
+              <a:rPr lang="en-US" sz="3200" dirty="0" smtClean="0">
+                <a:latin typeface="Avenir Book" charset="0"/>
+                <a:ea typeface="Avenir Book" charset="0"/>
+                <a:cs typeface="Avenir Book" charset="0"/>
+              </a:rPr>
+              <a:t>Decile</a:t>
             </a:r>
             <a:endParaRPr lang="en-US" sz="3200" dirty="0">
               <a:latin typeface="Avenir Book" charset="0"/>
@@ -6054,8 +5561,8 @@
         </p:nvSpPr>
         <p:spPr>
           <a:xfrm>
-            <a:off x="16362658" y="29421026"/>
-            <a:ext cx="14476618" cy="2800767"/>
+            <a:off x="16571615" y="28315370"/>
+            <a:ext cx="14936411" cy="4154984"/>
           </a:xfrm>
           <a:prstGeom prst="rect">
             <a:avLst/>
@@ -6075,7 +5582,74 @@
                 <a:ea typeface="Avenir Book" charset="0"/>
                 <a:cs typeface="Avenir Book" charset="0"/>
               </a:rPr>
-              <a:t>Lexical semantics predicts independence variance in drawing distances, suggesting speakers of languages with more similar semantics have more similar non-linguistic representations.</a:t>
+              <a:t>Semantics predict independent variance </a:t>
+            </a:r>
+            <a:r>
+              <a:rPr lang="en-US" sz="4400" b="1" dirty="0" smtClean="0">
+                <a:latin typeface="Avenir Book" charset="0"/>
+                <a:ea typeface="Avenir Book" charset="0"/>
+                <a:cs typeface="Avenir Book" charset="0"/>
+              </a:rPr>
+              <a:t>in drawing distances, suggesting </a:t>
+            </a:r>
+            <a:r>
+              <a:rPr lang="en-US" sz="4400" b="1" dirty="0" smtClean="0">
+                <a:latin typeface="Avenir Book" charset="0"/>
+                <a:ea typeface="Avenir Book" charset="0"/>
+                <a:cs typeface="Avenir Book" charset="0"/>
+              </a:rPr>
+              <a:t>speakers of semanticall</a:t>
+            </a:r>
+            <a:r>
+              <a:rPr lang="en-US" sz="4400" b="1" dirty="0" smtClean="0">
+                <a:latin typeface="Avenir Book" charset="0"/>
+                <a:ea typeface="Avenir Book" charset="0"/>
+                <a:cs typeface="Avenir Book" charset="0"/>
+              </a:rPr>
+              <a:t>y more similar languages </a:t>
+            </a:r>
+            <a:r>
+              <a:rPr lang="en-US" sz="4400" b="1" dirty="0" smtClean="0">
+                <a:latin typeface="Avenir Book" charset="0"/>
+                <a:ea typeface="Avenir Book" charset="0"/>
+                <a:cs typeface="Avenir Book" charset="0"/>
+              </a:rPr>
+              <a:t>have </a:t>
+            </a:r>
+            <a:r>
+              <a:rPr lang="en-US" sz="4400" b="1" dirty="0" smtClean="0">
+                <a:latin typeface="Avenir Book" charset="0"/>
+                <a:ea typeface="Avenir Book" charset="0"/>
+                <a:cs typeface="Avenir Book" charset="0"/>
+              </a:rPr>
+              <a:t>more similar non-linguistic representations</a:t>
+            </a:r>
+            <a:r>
+              <a:rPr lang="en-US" sz="4400" b="1" dirty="0" smtClean="0">
+                <a:latin typeface="Avenir Book" charset="0"/>
+                <a:ea typeface="Avenir Book" charset="0"/>
+                <a:cs typeface="Avenir Book" charset="0"/>
+              </a:rPr>
+              <a:t>.</a:t>
+            </a:r>
+          </a:p>
+          <a:p>
+            <a:pPr marL="0" lvl="1"/>
+            <a:endParaRPr lang="en-US" sz="4400" b="1" dirty="0">
+              <a:latin typeface="Avenir Book" charset="0"/>
+              <a:ea typeface="Avenir Book" charset="0"/>
+              <a:cs typeface="Avenir Book" charset="0"/>
+            </a:endParaRPr>
+          </a:p>
+          <a:p>
+            <a:pPr marL="0" lvl="1"/>
+            <a:r>
+              <a:rPr lang="en-US" sz="4400" b="1" dirty="0" smtClean="0">
+                <a:latin typeface="Avenir Book" charset="0"/>
+                <a:ea typeface="Avenir Book" charset="0"/>
+                <a:cs typeface="Avenir Book" charset="0"/>
+              </a:rPr>
+              <a:t>Next: What properties characterize these differences?</a:t>
             </a:r>
             <a:endParaRPr lang="en-US" sz="4400" dirty="0">
               <a:latin typeface="Avenir Book" charset="0"/>
@@ -6093,7 +5667,7 @@
         </p:nvGrpSpPr>
         <p:grpSpPr>
           <a:xfrm>
-            <a:off x="31467978" y="19101487"/>
+            <a:off x="31736918" y="19101487"/>
             <a:ext cx="20585530" cy="7586626"/>
             <a:chOff x="31860122" y="19010561"/>
             <a:chExt cx="20585530" cy="7586626"/>
@@ -6108,7 +5682,7 @@
             <p:nvPr/>
           </p:nvPicPr>
           <p:blipFill>
-            <a:blip r:embed="rId17">
+            <a:blip r:embed="rId16">
               <a:extLst>
                 <a:ext uri="{28A0092B-C50C-407E-A947-70E740481C1C}">
                   <a14:useLocalDpi xmlns:a14="http://schemas.microsoft.com/office/drawing/2010/main" val="0"/>
@@ -6182,7 +5756,7 @@
           </p:nvSpPr>
           <p:spPr>
             <a:xfrm>
-              <a:off x="33146363" y="25248063"/>
+              <a:off x="33146363" y="25130588"/>
               <a:ext cx="12076048" cy="830997"/>
             </a:xfrm>
             <a:prstGeom prst="rect">
@@ -6277,7 +5851,7 @@
           </p:nvCxnSpPr>
           <p:spPr>
             <a:xfrm flipH="1" flipV="1">
-              <a:off x="33203457" y="25134911"/>
+              <a:off x="33203457" y="25017436"/>
               <a:ext cx="290133" cy="157396"/>
             </a:xfrm>
             <a:prstGeom prst="straightConnector1">
@@ -6315,7 +5889,7 @@
           <p:nvPr/>
         </p:nvPicPr>
         <p:blipFill>
-          <a:blip r:embed="rId18">
+          <a:blip r:embed="rId17">
             <a:extLst>
               <a:ext uri="{28A0092B-C50C-407E-A947-70E740481C1C}">
                 <a14:useLocalDpi xmlns:a14="http://schemas.microsoft.com/office/drawing/2010/main" val="0"/>
@@ -6328,7 +5902,7 @@
         </p:blipFill>
         <p:spPr>
           <a:xfrm>
-            <a:off x="31478532" y="27090086"/>
+            <a:off x="31801260" y="27090086"/>
             <a:ext cx="11466913" cy="5096406"/>
           </a:xfrm>
           <a:prstGeom prst="rect">
@@ -6336,323 +5910,354 @@
           </a:prstGeom>
         </p:spPr>
       </p:pic>
-      <p:cxnSp>
-        <p:nvCxnSpPr>
-          <p:cNvPr id="157" name="Straight Connector 156"/>
-          <p:cNvCxnSpPr/>
+      <p:sp>
+        <p:nvSpPr>
+          <p:cNvPr id="165" name="Rounded Rectangle 164"/>
+          <p:cNvSpPr/>
           <p:nvPr/>
-        </p:nvCxnSpPr>
+        </p:nvSpPr>
         <p:spPr>
           <a:xfrm>
-            <a:off x="-4114800" y="32130134"/>
-            <a:ext cx="46812903" cy="82034"/>
+            <a:off x="38851800" y="24742213"/>
+            <a:ext cx="4507800" cy="991754"/>
           </a:xfrm>
-          <a:prstGeom prst="line">
-            <a:avLst/>
+          <a:prstGeom prst="roundRect">
+            <a:avLst>
+              <a:gd name="adj" fmla="val 12992"/>
+            </a:avLst>
           </a:prstGeom>
+          <a:solidFill>
+            <a:schemeClr val="bg1"/>
+          </a:solidFill>
+          <a:ln w="28575">
+            <a:noFill/>
+          </a:ln>
+          <a:effectLst/>
         </p:spPr>
         <p:style>
           <a:lnRef idx="1">
             <a:schemeClr val="accent1"/>
           </a:lnRef>
-          <a:fillRef idx="0">
+          <a:fillRef idx="3">
             <a:schemeClr val="accent1"/>
           </a:fillRef>
-          <a:effectRef idx="0">
+          <a:effectRef idx="2">
             <a:schemeClr val="accent1"/>
           </a:effectRef>
           <a:fontRef idx="minor">
-            <a:schemeClr val="tx1"/>
+            <a:schemeClr val="lt1"/>
           </a:fontRef>
         </p:style>
-      </p:cxnSp>
-      <p:cxnSp>
-        <p:nvCxnSpPr>
-          <p:cNvPr id="159" name="Straight Connector 158"/>
-          <p:cNvCxnSpPr/>
+        <p:txBody>
+          <a:bodyPr rtlCol="0" anchor="ctr"/>
+          <a:lstStyle/>
+          <a:p>
+            <a:pPr algn="ctr"/>
+            <a:endParaRPr lang="en-US" i="1" dirty="0"/>
+          </a:p>
+        </p:txBody>
+      </p:sp>
+      <p:sp>
+        <p:nvSpPr>
+          <p:cNvPr id="164" name="TextBox 163"/>
+          <p:cNvSpPr txBox="1"/>
           <p:nvPr/>
-        </p:nvCxnSpPr>
-        <p:spPr>
-          <a:xfrm flipV="1">
-            <a:off x="31364214" y="6330734"/>
-            <a:ext cx="105187" cy="25632301"/>
-          </a:xfrm>
-          <a:prstGeom prst="line">
-            <a:avLst/>
-          </a:prstGeom>
-        </p:spPr>
-        <p:style>
-          <a:lnRef idx="1">
-            <a:schemeClr val="accent1"/>
-          </a:lnRef>
-          <a:fillRef idx="0">
-            <a:schemeClr val="accent1"/>
-          </a:fillRef>
-          <a:effectRef idx="0">
-            <a:schemeClr val="accent1"/>
-          </a:effectRef>
-          <a:fontRef idx="minor">
-            <a:schemeClr val="tx1"/>
-          </a:fontRef>
-        </p:style>
-      </p:cxnSp>
-    </p:spTree>
-    <p:extLst>
-      <p:ext uri="{BB962C8B-B14F-4D97-AF65-F5344CB8AC3E}">
-        <p14:creationId xmlns:p14="http://schemas.microsoft.com/office/powerpoint/2010/main" val="927770265"/>
-      </p:ext>
-    </p:extLst>
-  </p:cSld>
-  <p:clrMapOvr>
-    <a:masterClrMapping/>
-  </p:clrMapOvr>
-  <p:timing>
-    <p:tnLst>
-      <p:par>
-        <p:cTn id="1" dur="indefinite" restart="never" nodeType="tmRoot"/>
-      </p:par>
-    </p:tnLst>
-  </p:timing>
-</p:sld>
-</file>
-
-<file path=ppt/slides/slide2.xml><?xml version="1.0" encoding="utf-8"?>
-<p:sld xmlns:a="http://schemas.openxmlformats.org/drawingml/2006/main" xmlns:r="http://schemas.openxmlformats.org/officeDocument/2006/relationships" xmlns:p="http://schemas.openxmlformats.org/presentationml/2006/main">
-  <p:cSld>
-    <p:spTree>
-      <p:nvGrpSpPr>
-        <p:cNvPr id="1" name=""/>
-        <p:cNvGrpSpPr/>
-        <p:nvPr/>
-      </p:nvGrpSpPr>
-      <p:grpSpPr>
-        <a:xfrm>
-          <a:off x="0" y="0"/>
-          <a:ext cx="0" cy="0"/>
-          <a:chOff x="0" y="0"/>
-          <a:chExt cx="0" cy="0"/>
-        </a:xfrm>
-      </p:grpSpPr>
-      <p:pic>
-        <p:nvPicPr>
-          <p:cNvPr id="2" name="Picture 1"/>
-          <p:cNvPicPr>
-            <a:picLocks noChangeAspect="1"/>
-          </p:cNvPicPr>
-          <p:nvPr/>
-        </p:nvPicPr>
-        <p:blipFill>
-          <a:blip r:embed="rId3">
-            <a:duotone>
-              <a:prstClr val="black"/>
-              <a:schemeClr val="tx1">
-                <a:tint val="45000"/>
-                <a:satMod val="400000"/>
-              </a:schemeClr>
-            </a:duotone>
-            <a:extLst>
-              <a:ext uri="{BEBA8EAE-BF5A-486C-A8C5-ECC9F3942E4B}">
-                <a14:imgProps xmlns:a14="http://schemas.microsoft.com/office/drawing/2010/main">
-                  <a14:imgLayer r:embed="rId4">
-                    <a14:imgEffect>
-                      <a14:sharpenSoften amount="100000"/>
-                    </a14:imgEffect>
-                    <a14:imgEffect>
-                      <a14:colorTemperature colorTemp="1744"/>
-                    </a14:imgEffect>
-                    <a14:imgEffect>
-                      <a14:saturation sat="0"/>
-                    </a14:imgEffect>
-                    <a14:imgEffect>
-                      <a14:brightnessContrast bright="100000" contrast="100000"/>
-                    </a14:imgEffect>
-                  </a14:imgLayer>
-                </a14:imgProps>
-              </a:ext>
-            </a:extLst>
-          </a:blip>
-          <a:stretch>
-            <a:fillRect/>
-          </a:stretch>
-        </p:blipFill>
+        </p:nvSpPr>
         <p:spPr>
           <a:xfrm>
-            <a:off x="2351314" y="2907392"/>
-            <a:ext cx="10160000" cy="4635500"/>
+            <a:off x="39123468" y="24902969"/>
+            <a:ext cx="8899188" cy="830997"/>
           </a:xfrm>
           <a:prstGeom prst="rect">
             <a:avLst/>
           </a:prstGeom>
           <a:noFill/>
         </p:spPr>
-      </p:pic>
-      <p:cxnSp>
-        <p:nvCxnSpPr>
-          <p:cNvPr id="4" name="Straight Connector 3"/>
-          <p:cNvCxnSpPr/>
+        <p:txBody>
+          <a:bodyPr wrap="square" rtlCol="0">
+            <a:spAutoFit/>
+          </a:bodyPr>
+          <a:lstStyle/>
+          <a:p>
+            <a:pPr marL="0" lvl="1"/>
+            <a:r>
+              <a:rPr lang="en-US" sz="4800" b="1" i="1" dirty="0">
+                <a:solidFill>
+                  <a:srgbClr val="FF0000"/>
+                </a:solidFill>
+                <a:latin typeface="Avenir Book" charset="0"/>
+                <a:ea typeface="Avenir Book" charset="0"/>
+                <a:cs typeface="Avenir Book" charset="0"/>
+              </a:rPr>
+              <a:t>r</a:t>
+            </a:r>
+            <a:r>
+              <a:rPr lang="en-US" sz="4800" b="1" dirty="0" smtClean="0">
+                <a:solidFill>
+                  <a:srgbClr val="FF0000"/>
+                </a:solidFill>
+                <a:latin typeface="Avenir Book" charset="0"/>
+                <a:ea typeface="Avenir Book" charset="0"/>
+                <a:cs typeface="Avenir Book" charset="0"/>
+              </a:rPr>
+              <a:t> = .18 ***</a:t>
+            </a:r>
+            <a:endParaRPr lang="en-US" sz="4800" b="1" dirty="0">
+              <a:solidFill>
+                <a:srgbClr val="FF0000"/>
+              </a:solidFill>
+              <a:latin typeface="Avenir Book" charset="0"/>
+              <a:ea typeface="Avenir Book" charset="0"/>
+              <a:cs typeface="Avenir Book" charset="0"/>
+            </a:endParaRPr>
+          </a:p>
+        </p:txBody>
+      </p:sp>
+      <p:sp>
+        <p:nvSpPr>
+          <p:cNvPr id="55" name="TextBox 54"/>
+          <p:cNvSpPr txBox="1"/>
           <p:nvPr/>
-        </p:nvCxnSpPr>
-        <p:spPr>
-          <a:xfrm flipV="1">
-            <a:off x="-2101379" y="12274113"/>
-            <a:ext cx="29794636" cy="19860"/>
-          </a:xfrm>
-          <a:prstGeom prst="line">
-            <a:avLst/>
-          </a:prstGeom>
-        </p:spPr>
-        <p:style>
-          <a:lnRef idx="1">
-            <a:schemeClr val="accent1"/>
-          </a:lnRef>
-          <a:fillRef idx="0">
-            <a:schemeClr val="accent1"/>
-          </a:fillRef>
-          <a:effectRef idx="0">
-            <a:schemeClr val="accent1"/>
-          </a:effectRef>
-          <a:fontRef idx="minor">
-            <a:schemeClr val="tx1"/>
-          </a:fontRef>
-        </p:style>
-      </p:cxnSp>
-      <p:cxnSp>
-        <p:nvCxnSpPr>
-          <p:cNvPr id="6" name="Straight Arrow Connector 5"/>
-          <p:cNvCxnSpPr/>
-          <p:nvPr/>
-        </p:nvCxnSpPr>
+        </p:nvSpPr>
         <p:spPr>
           <a:xfrm>
-            <a:off x="33578800" y="25501600"/>
-            <a:ext cx="27197" cy="3469940"/>
-          </a:xfrm>
-          <a:prstGeom prst="straightConnector1">
-            <a:avLst/>
-          </a:prstGeom>
-          <a:ln w="190500">
-            <a:solidFill>
-              <a:srgbClr val="FF0000"/>
-            </a:solidFill>
-            <a:tailEnd type="triangle"/>
-          </a:ln>
-        </p:spPr>
-        <p:style>
-          <a:lnRef idx="1">
-            <a:schemeClr val="accent1"/>
-          </a:lnRef>
-          <a:fillRef idx="0">
-            <a:schemeClr val="accent1"/>
-          </a:fillRef>
-          <a:effectRef idx="0">
-            <a:schemeClr val="accent1"/>
-          </a:effectRef>
-          <a:fontRef idx="minor">
-            <a:schemeClr val="tx1"/>
-          </a:fontRef>
-        </p:style>
-      </p:cxnSp>
-      <p:pic>
-        <p:nvPicPr>
-          <p:cNvPr id="8" name="Picture 7"/>
-          <p:cNvPicPr>
-            <a:picLocks noChangeAspect="1"/>
-          </p:cNvPicPr>
-          <p:nvPr/>
-        </p:nvPicPr>
-        <p:blipFill>
-          <a:blip r:embed="rId5">
-            <a:extLst>
-              <a:ext uri="{28A0092B-C50C-407E-A947-70E740481C1C}">
-                <a14:useLocalDpi xmlns:a14="http://schemas.microsoft.com/office/drawing/2010/main" val="0"/>
-              </a:ext>
-            </a:extLst>
-          </a:blip>
-          <a:stretch>
-            <a:fillRect/>
-          </a:stretch>
-        </p:blipFill>
-        <p:spPr>
-          <a:xfrm>
-            <a:off x="44748395" y="7787156"/>
-            <a:ext cx="9369238" cy="11955555"/>
+            <a:off x="16588094" y="23264132"/>
+            <a:ext cx="14919932" cy="4832092"/>
           </a:xfrm>
           <a:prstGeom prst="rect">
             <a:avLst/>
           </a:prstGeom>
+          <a:noFill/>
         </p:spPr>
-      </p:pic>
+        <p:txBody>
+          <a:bodyPr wrap="square" rtlCol="0">
+            <a:spAutoFit/>
+          </a:bodyPr>
+          <a:lstStyle/>
+          <a:p>
+            <a:pPr marL="685800" lvl="1" indent="-685800">
+              <a:buFont typeface="Arial" charset="0"/>
+              <a:buChar char="•"/>
+            </a:pPr>
+            <a:endParaRPr lang="en-US" sz="4400" dirty="0">
+              <a:latin typeface="Avenir Book" charset="0"/>
+              <a:ea typeface="Avenir Book" charset="0"/>
+              <a:cs typeface="Avenir Book" charset="0"/>
+            </a:endParaRPr>
+          </a:p>
+          <a:p>
+            <a:pPr marL="0" lvl="1"/>
+            <a:r>
+              <a:rPr lang="en-US" sz="4400" dirty="0" smtClean="0">
+                <a:latin typeface="Avenir Book" charset="0"/>
+                <a:ea typeface="Avenir Book" charset="0"/>
+                <a:cs typeface="Avenir Book" charset="0"/>
+              </a:rPr>
+              <a:t>Independent Cultural Similarity Measures:</a:t>
+            </a:r>
+            <a:endParaRPr lang="en-US" sz="4400" dirty="0">
+              <a:latin typeface="Avenir Book" charset="0"/>
+              <a:ea typeface="Avenir Book" charset="0"/>
+              <a:cs typeface="Avenir Book" charset="0"/>
+            </a:endParaRPr>
+          </a:p>
+          <a:p>
+            <a:pPr marL="685800" lvl="1" indent="-685800">
+              <a:buFont typeface="Arial" charset="0"/>
+              <a:buChar char="•"/>
+            </a:pPr>
+            <a:r>
+              <a:rPr lang="en-US" sz="4400" dirty="0" smtClean="0">
+                <a:latin typeface="Avenir Book" charset="0"/>
+                <a:ea typeface="Avenir Book" charset="0"/>
+                <a:cs typeface="Avenir Book" charset="0"/>
+              </a:rPr>
+              <a:t>Lexical semantics </a:t>
+            </a:r>
+            <a:r>
+              <a:rPr lang="mr-IN" sz="4400" dirty="0" smtClean="0">
+                <a:latin typeface="Avenir Book" charset="0"/>
+                <a:ea typeface="Avenir Book" charset="0"/>
+                <a:cs typeface="Avenir Book" charset="0"/>
+              </a:rPr>
+              <a:t>–</a:t>
+            </a:r>
+            <a:r>
+              <a:rPr lang="en-US" sz="4400" dirty="0">
+                <a:latin typeface="Avenir Book" charset="0"/>
+                <a:ea typeface="Avenir Book" charset="0"/>
+                <a:cs typeface="Avenir Book" charset="0"/>
+              </a:rPr>
+              <a:t> </a:t>
+            </a:r>
+            <a:r>
+              <a:rPr lang="en-US" sz="4400" dirty="0" smtClean="0">
+                <a:latin typeface="Avenir Book" charset="0"/>
+                <a:ea typeface="Avenir Book" charset="0"/>
+                <a:cs typeface="Avenir Book" charset="0"/>
+              </a:rPr>
+              <a:t>Alignment from word embedding models </a:t>
+            </a:r>
+            <a:r>
+              <a:rPr lang="en-US" sz="2800" dirty="0" smtClean="0">
+                <a:latin typeface="Avenir Book" charset="0"/>
+                <a:ea typeface="Avenir Book" charset="0"/>
+                <a:cs typeface="Avenir Book" charset="0"/>
+              </a:rPr>
+              <a:t>(Bojanowski et al., 2016)</a:t>
+            </a:r>
+            <a:endParaRPr lang="en-US" sz="2800" dirty="0">
+              <a:latin typeface="Avenir Book" charset="0"/>
+              <a:ea typeface="Avenir Book" charset="0"/>
+              <a:cs typeface="Avenir Book" charset="0"/>
+            </a:endParaRPr>
+          </a:p>
+          <a:p>
+            <a:pPr marL="685800" lvl="1" indent="-685800">
+              <a:buFont typeface="Arial" charset="0"/>
+              <a:buChar char="•"/>
+            </a:pPr>
+            <a:r>
+              <a:rPr lang="en-US" sz="4400" dirty="0" smtClean="0">
+                <a:latin typeface="Avenir Book" charset="0"/>
+                <a:ea typeface="Avenir Book" charset="0"/>
+                <a:cs typeface="Avenir Book" charset="0"/>
+              </a:rPr>
+              <a:t>Lexical forms </a:t>
+            </a:r>
+            <a:r>
+              <a:rPr lang="mr-IN" sz="4400" dirty="0" smtClean="0">
+                <a:latin typeface="Avenir Book" charset="0"/>
+                <a:ea typeface="Avenir Book" charset="0"/>
+                <a:cs typeface="Avenir Book" charset="0"/>
+              </a:rPr>
+              <a:t>–</a:t>
+            </a:r>
+            <a:r>
+              <a:rPr lang="en-US" sz="4400" dirty="0" smtClean="0">
+                <a:latin typeface="Avenir Book" charset="0"/>
+                <a:ea typeface="Avenir Book" charset="0"/>
+                <a:cs typeface="Avenir Book" charset="0"/>
+              </a:rPr>
+              <a:t> ASJP distance </a:t>
+            </a:r>
+            <a:r>
+              <a:rPr lang="en-US" sz="2800" dirty="0" smtClean="0">
+                <a:latin typeface="Avenir Book" charset="0"/>
+                <a:ea typeface="Avenir Book" charset="0"/>
+                <a:cs typeface="Avenir Book" charset="0"/>
+              </a:rPr>
+              <a:t>(Bakker</a:t>
+            </a:r>
+            <a:r>
+              <a:rPr lang="en-US" sz="2800" dirty="0">
+                <a:latin typeface="Avenir Book" charset="0"/>
+                <a:ea typeface="Avenir Book" charset="0"/>
+                <a:cs typeface="Avenir Book" charset="0"/>
+              </a:rPr>
+              <a:t>, et al., </a:t>
+            </a:r>
+            <a:r>
+              <a:rPr lang="en-US" sz="2800" dirty="0" smtClean="0">
+                <a:latin typeface="Avenir Book" charset="0"/>
+                <a:ea typeface="Avenir Book" charset="0"/>
+                <a:cs typeface="Avenir Book" charset="0"/>
+              </a:rPr>
+              <a:t>2009’Dediu</a:t>
+            </a:r>
+            <a:r>
+              <a:rPr lang="en-US" sz="2800" dirty="0">
+                <a:latin typeface="Avenir Book" charset="0"/>
+                <a:ea typeface="Avenir Book" charset="0"/>
+                <a:cs typeface="Avenir Book" charset="0"/>
+              </a:rPr>
+              <a:t>, in press) </a:t>
+            </a:r>
+            <a:endParaRPr lang="en-US" sz="2800" dirty="0" smtClean="0">
+              <a:latin typeface="Avenir Book" charset="0"/>
+              <a:ea typeface="Avenir Book" charset="0"/>
+              <a:cs typeface="Avenir Book" charset="0"/>
+            </a:endParaRPr>
+          </a:p>
+          <a:p>
+            <a:pPr marL="685800" lvl="1" indent="-685800">
+              <a:buFont typeface="Arial" charset="0"/>
+              <a:buChar char="•"/>
+            </a:pPr>
+            <a:r>
+              <a:rPr lang="en-US" sz="4400" dirty="0" smtClean="0">
+                <a:latin typeface="Avenir Book" charset="0"/>
+                <a:ea typeface="Avenir Book" charset="0"/>
+                <a:cs typeface="Avenir Book" charset="0"/>
+              </a:rPr>
+              <a:t>Grammar </a:t>
+            </a:r>
+            <a:r>
+              <a:rPr lang="mr-IN" sz="4400" dirty="0" smtClean="0">
+                <a:latin typeface="Avenir Book" charset="0"/>
+                <a:ea typeface="Avenir Book" charset="0"/>
+                <a:cs typeface="Avenir Book" charset="0"/>
+              </a:rPr>
+              <a:t>–</a:t>
+            </a:r>
+            <a:r>
+              <a:rPr lang="en-US" sz="4400" dirty="0" smtClean="0">
+                <a:latin typeface="Avenir Book" charset="0"/>
+                <a:ea typeface="Avenir Book" charset="0"/>
+                <a:cs typeface="Avenir Book" charset="0"/>
+              </a:rPr>
+              <a:t> WALS distance </a:t>
+            </a:r>
+            <a:r>
+              <a:rPr lang="en-US" sz="2800" dirty="0">
+                <a:latin typeface="Avenir Book" charset="0"/>
+                <a:ea typeface="Avenir Book" charset="0"/>
+                <a:cs typeface="Avenir Book" charset="0"/>
+              </a:rPr>
+              <a:t>(</a:t>
+            </a:r>
+            <a:r>
+              <a:rPr lang="en-US" sz="2800" dirty="0" err="1">
+                <a:latin typeface="Avenir Book" charset="0"/>
+                <a:ea typeface="Avenir Book" charset="0"/>
+                <a:cs typeface="Avenir Book" charset="0"/>
+              </a:rPr>
+              <a:t>Dediu</a:t>
+            </a:r>
+            <a:r>
+              <a:rPr lang="en-US" sz="2800" dirty="0">
+                <a:latin typeface="Avenir Book" charset="0"/>
+                <a:ea typeface="Avenir Book" charset="0"/>
+                <a:cs typeface="Avenir Book" charset="0"/>
+              </a:rPr>
+              <a:t>, in press) </a:t>
+            </a:r>
+            <a:endParaRPr lang="en-US" sz="2800" dirty="0" smtClean="0">
+              <a:latin typeface="Avenir Book" charset="0"/>
+              <a:ea typeface="Avenir Book" charset="0"/>
+              <a:cs typeface="Avenir Book" charset="0"/>
+            </a:endParaRPr>
+          </a:p>
+          <a:p>
+            <a:pPr marL="685800" lvl="1" indent="-685800">
+              <a:buFont typeface="Arial" charset="0"/>
+              <a:buChar char="•"/>
+            </a:pPr>
+            <a:r>
+              <a:rPr lang="en-US" sz="4400" dirty="0" smtClean="0">
+                <a:latin typeface="Avenir Book" charset="0"/>
+                <a:ea typeface="Avenir Book" charset="0"/>
+                <a:cs typeface="Avenir Book" charset="0"/>
+              </a:rPr>
+              <a:t>Physical distance </a:t>
+            </a:r>
+          </a:p>
+        </p:txBody>
+      </p:sp>
     </p:spTree>
     <p:extLst>
       <p:ext uri="{BB962C8B-B14F-4D97-AF65-F5344CB8AC3E}">
-        <p14:creationId xmlns:p14="http://schemas.microsoft.com/office/powerpoint/2010/main" val="1341576694"/>
-      </p:ext>
-    </p:extLst>
-  </p:cSld>
-  <p:clrMapOvr>
-    <a:masterClrMapping/>
-  </p:clrMapOvr>
-  <p:timing>
-    <p:tnLst>
-      <p:par>
-        <p:cTn id="1" dur="indefinite" restart="never" nodeType="tmRoot"/>
-      </p:par>
-    </p:tnLst>
-  </p:timing>
-</p:sld>
-</file>
-
-<file path=ppt/slides/slide3.xml><?xml version="1.0" encoding="utf-8"?>
-<p:sld xmlns:a="http://schemas.openxmlformats.org/drawingml/2006/main" xmlns:r="http://schemas.openxmlformats.org/officeDocument/2006/relationships" xmlns:p="http://schemas.openxmlformats.org/presentationml/2006/main">
-  <p:cSld>
-    <p:spTree>
-      <p:nvGrpSpPr>
-        <p:cNvPr id="1" name=""/>
-        <p:cNvGrpSpPr/>
-        <p:nvPr/>
-      </p:nvGrpSpPr>
-      <p:grpSpPr>
-        <a:xfrm>
-          <a:off x="0" y="0"/>
-          <a:ext cx="0" cy="0"/>
-          <a:chOff x="0" y="0"/>
-          <a:chExt cx="0" cy="0"/>
-        </a:xfrm>
-      </p:grpSpPr>
-      <p:pic>
-        <p:nvPicPr>
-          <p:cNvPr id="5" name="Picture 4"/>
-          <p:cNvPicPr>
-            <a:picLocks noChangeAspect="1"/>
-          </p:cNvPicPr>
-          <p:nvPr/>
-        </p:nvPicPr>
-        <p:blipFill>
-          <a:blip r:embed="rId3">
-            <a:extLst>
-              <a:ext uri="{28A0092B-C50C-407E-A947-70E740481C1C}">
-                <a14:useLocalDpi xmlns:a14="http://schemas.microsoft.com/office/drawing/2010/main" val="0"/>
-              </a:ext>
-            </a:extLst>
-          </a:blip>
-          <a:stretch>
-            <a:fillRect/>
-          </a:stretch>
-        </p:blipFill>
-        <p:spPr>
-          <a:xfrm>
-            <a:off x="568958" y="1463040"/>
-            <a:ext cx="42071069" cy="32918400"/>
-          </a:xfrm>
-          <a:prstGeom prst="rect">
-            <a:avLst/>
-          </a:prstGeom>
-        </p:spPr>
-      </p:pic>
-    </p:spTree>
-    <p:extLst>
-      <p:ext uri="{BB962C8B-B14F-4D97-AF65-F5344CB8AC3E}">
-        <p14:creationId xmlns:p14="http://schemas.microsoft.com/office/powerpoint/2010/main" val="1109591190"/>
+        <p14:creationId xmlns:p14="http://schemas.microsoft.com/office/powerpoint/2010/main" val="927770265"/>
       </p:ext>
     </p:extLst>
   </p:cSld>
